--- a/tests/__template__.pptx
+++ b/tests/__template__.pptx
@@ -9,6 +9,8 @@
     <p:sldId id="257" r:id="rId3"/>
     <p:sldId id="258" r:id="rId4"/>
     <p:sldId id="259" r:id="rId5"/>
+    <p:sldId id="261" r:id="rId6"/>
+    <p:sldId id="260" r:id="rId7"/>
   </p:sldIdLst>
   <p:sldSz cx="12192000" cy="6858000"/>
   <p:notesSz cx="6858000" cy="9144000"/>
@@ -118,6 +120,114 @@
 <file path=ppt/changesInfos/changesInfo1.xml><?xml version="1.0" encoding="utf-8"?>
 <pc:chgInfo xmlns:a="http://schemas.openxmlformats.org/drawingml/2006/main" xmlns:r="http://schemas.openxmlformats.org/officeDocument/2006/relationships" xmlns:ac="http://schemas.microsoft.com/office/drawing/2013/main/command" xmlns:pc="http://schemas.microsoft.com/office/powerpoint/2013/main/command">
   <pc:docChgLst>
+    <pc:chgData name="Julio Gajardo" userId="ab15a1ec-6274-4f02-82c3-6d509b059851" providerId="ADAL" clId="{77FC4033-786B-43B0-A42B-536F24B30DD2}"/>
+    <pc:docChg chg="addSld delSld modSld">
+      <pc:chgData name="Julio Gajardo" userId="ab15a1ec-6274-4f02-82c3-6d509b059851" providerId="ADAL" clId="{77FC4033-786B-43B0-A42B-536F24B30DD2}" dt="2018-06-15T20:45:34.441" v="164" actId="20577"/>
+      <pc:docMkLst>
+        <pc:docMk/>
+      </pc:docMkLst>
+      <pc:sldChg chg="modSp">
+        <pc:chgData name="Julio Gajardo" userId="ab15a1ec-6274-4f02-82c3-6d509b059851" providerId="ADAL" clId="{77FC4033-786B-43B0-A42B-536F24B30DD2}" dt="2018-06-15T20:45:19.967" v="156" actId="20577"/>
+        <pc:sldMkLst>
+          <pc:docMk/>
+          <pc:sldMk cId="4223523413" sldId="259"/>
+        </pc:sldMkLst>
+        <pc:graphicFrameChg chg="mod modGraphic">
+          <ac:chgData name="Julio Gajardo" userId="ab15a1ec-6274-4f02-82c3-6d509b059851" providerId="ADAL" clId="{77FC4033-786B-43B0-A42B-536F24B30DD2}" dt="2018-06-15T20:45:19.967" v="156" actId="20577"/>
+          <ac:graphicFrameMkLst>
+            <pc:docMk/>
+            <pc:sldMk cId="4223523413" sldId="259"/>
+            <ac:graphicFrameMk id="4" creationId="{CA61B05D-D9B2-4A66-A710-44479119FEC4}"/>
+          </ac:graphicFrameMkLst>
+        </pc:graphicFrameChg>
+      </pc:sldChg>
+      <pc:sldChg chg="modSp add">
+        <pc:chgData name="Julio Gajardo" userId="ab15a1ec-6274-4f02-82c3-6d509b059851" providerId="ADAL" clId="{77FC4033-786B-43B0-A42B-536F24B30DD2}" dt="2018-06-14T18:21:24.940" v="140" actId="962"/>
+        <pc:sldMkLst>
+          <pc:docMk/>
+          <pc:sldMk cId="3847460849" sldId="260"/>
+        </pc:sldMkLst>
+        <pc:graphicFrameChg chg="mod modGraphic">
+          <ac:chgData name="Julio Gajardo" userId="ab15a1ec-6274-4f02-82c3-6d509b059851" providerId="ADAL" clId="{77FC4033-786B-43B0-A42B-536F24B30DD2}" dt="2018-06-14T18:21:24.940" v="140" actId="962"/>
+          <ac:graphicFrameMkLst>
+            <pc:docMk/>
+            <pc:sldMk cId="3847460849" sldId="260"/>
+            <ac:graphicFrameMk id="4" creationId="{CA61B05D-D9B2-4A66-A710-44479119FEC4}"/>
+          </ac:graphicFrameMkLst>
+        </pc:graphicFrameChg>
+      </pc:sldChg>
+      <pc:sldChg chg="addSp delSp modSp add del mod">
+        <pc:chgData name="Julio Gajardo" userId="ab15a1ec-6274-4f02-82c3-6d509b059851" providerId="ADAL" clId="{77FC4033-786B-43B0-A42B-536F24B30DD2}" dt="2018-06-14T18:06:58.127" v="128" actId="2696"/>
+        <pc:sldMkLst>
+          <pc:docMk/>
+          <pc:sldMk cId="1003763207" sldId="261"/>
+        </pc:sldMkLst>
+        <pc:spChg chg="del">
+          <ac:chgData name="Julio Gajardo" userId="ab15a1ec-6274-4f02-82c3-6d509b059851" providerId="ADAL" clId="{77FC4033-786B-43B0-A42B-536F24B30DD2}" dt="2018-06-14T18:01:03.705" v="116" actId="1957"/>
+          <ac:spMkLst>
+            <pc:docMk/>
+            <pc:sldMk cId="1003763207" sldId="261"/>
+            <ac:spMk id="3" creationId="{6A55E940-F108-404E-BBD9-F009F3266896}"/>
+          </ac:spMkLst>
+        </pc:spChg>
+        <pc:spChg chg="add mod">
+          <ac:chgData name="Julio Gajardo" userId="ab15a1ec-6274-4f02-82c3-6d509b059851" providerId="ADAL" clId="{77FC4033-786B-43B0-A42B-536F24B30DD2}" dt="2018-06-14T18:06:54.727" v="127" actId="478"/>
+          <ac:spMkLst>
+            <pc:docMk/>
+            <pc:sldMk cId="1003763207" sldId="261"/>
+            <ac:spMk id="7" creationId="{523B8F7E-9F38-4342-BB5D-701257B27709}"/>
+          </ac:spMkLst>
+        </pc:spChg>
+        <pc:graphicFrameChg chg="add del mod">
+          <ac:chgData name="Julio Gajardo" userId="ab15a1ec-6274-4f02-82c3-6d509b059851" providerId="ADAL" clId="{77FC4033-786B-43B0-A42B-536F24B30DD2}" dt="2018-06-14T18:06:54.727" v="127" actId="478"/>
+          <ac:graphicFrameMkLst>
+            <pc:docMk/>
+            <pc:sldMk cId="1003763207" sldId="261"/>
+            <ac:graphicFrameMk id="6" creationId="{79E45C88-83B1-46A6-926C-6DD0F6CE0865}"/>
+          </ac:graphicFrameMkLst>
+        </pc:graphicFrameChg>
+      </pc:sldChg>
+      <pc:sldChg chg="addSp delSp modSp add del mod">
+        <pc:chgData name="Julio Gajardo" userId="ab15a1ec-6274-4f02-82c3-6d509b059851" providerId="ADAL" clId="{77FC4033-786B-43B0-A42B-536F24B30DD2}" dt="2018-06-14T18:19:15.663" v="139" actId="2696"/>
+        <pc:sldMkLst>
+          <pc:docMk/>
+          <pc:sldMk cId="1150177581" sldId="261"/>
+        </pc:sldMkLst>
+        <pc:spChg chg="del">
+          <ac:chgData name="Julio Gajardo" userId="ab15a1ec-6274-4f02-82c3-6d509b059851" providerId="ADAL" clId="{77FC4033-786B-43B0-A42B-536F24B30DD2}" dt="2018-06-14T18:07:12.737" v="132" actId="1957"/>
+          <ac:spMkLst>
+            <pc:docMk/>
+            <pc:sldMk cId="1150177581" sldId="261"/>
+            <ac:spMk id="3" creationId="{82DB041B-4BE4-42A4-8A6F-CAC984E6A721}"/>
+          </ac:spMkLst>
+        </pc:spChg>
+        <pc:graphicFrameChg chg="add mod">
+          <ac:chgData name="Julio Gajardo" userId="ab15a1ec-6274-4f02-82c3-6d509b059851" providerId="ADAL" clId="{77FC4033-786B-43B0-A42B-536F24B30DD2}" dt="2018-06-14T18:07:12.737" v="132" actId="1957"/>
+          <ac:graphicFrameMkLst>
+            <pc:docMk/>
+            <pc:sldMk cId="1150177581" sldId="261"/>
+            <ac:graphicFrameMk id="6" creationId="{6468DD9D-6DE2-4E0D-A324-4A02BEBF1C7C}"/>
+          </ac:graphicFrameMkLst>
+        </pc:graphicFrameChg>
+      </pc:sldChg>
+      <pc:sldChg chg="modSp add">
+        <pc:chgData name="Julio Gajardo" userId="ab15a1ec-6274-4f02-82c3-6d509b059851" providerId="ADAL" clId="{77FC4033-786B-43B0-A42B-536F24B30DD2}" dt="2018-06-15T20:45:34.441" v="164" actId="20577"/>
+        <pc:sldMkLst>
+          <pc:docMk/>
+          <pc:sldMk cId="2757015741" sldId="261"/>
+        </pc:sldMkLst>
+        <pc:graphicFrameChg chg="mod modGraphic">
+          <ac:chgData name="Julio Gajardo" userId="ab15a1ec-6274-4f02-82c3-6d509b059851" providerId="ADAL" clId="{77FC4033-786B-43B0-A42B-536F24B30DD2}" dt="2018-06-15T20:45:34.441" v="164" actId="20577"/>
+          <ac:graphicFrameMkLst>
+            <pc:docMk/>
+            <pc:sldMk cId="2757015741" sldId="261"/>
+            <ac:graphicFrameMk id="4" creationId="{B164435B-B18B-4386-A68B-5F175982E6FE}"/>
+          </ac:graphicFrameMkLst>
+        </pc:graphicFrameChg>
+      </pc:sldChg>
+    </pc:docChg>
+  </pc:docChgLst>
+  <pc:docChgLst>
     <pc:chgData name="Julio Gajardo" userId="ab15a1ec-6274-4f02-82c3-6d509b059851" providerId="ADAL" clId="{177900E9-6CE9-4676-96F6-1E1CAB63474E}"/>
     <pc:docChg chg="custSel addSld delSld modSld">
       <pc:chgData name="Julio Gajardo" userId="ab15a1ec-6274-4f02-82c3-6d509b059851" providerId="ADAL" clId="{177900E9-6CE9-4676-96F6-1E1CAB63474E}" dt="2018-04-24T17:35:45.365" v="187" actId="962"/>
@@ -161,13 +271,6 @@
             <ac:spMk id="3" creationId="{CBA25A92-4063-4DBC-ABF5-78A46691E399}"/>
           </ac:spMkLst>
         </pc:spChg>
-      </pc:sldChg>
-      <pc:sldChg chg="add del">
-        <pc:chgData name="Julio Gajardo" userId="ab15a1ec-6274-4f02-82c3-6d509b059851" providerId="ADAL" clId="{177900E9-6CE9-4676-96F6-1E1CAB63474E}" dt="2018-04-24T17:35:06.176" v="179"/>
-        <pc:sldMkLst>
-          <pc:docMk/>
-          <pc:sldMk cId="2207409" sldId="258"/>
-        </pc:sldMkLst>
       </pc:sldChg>
       <pc:sldChg chg="addSp delSp modSp add mod">
         <pc:chgData name="Julio Gajardo" userId="ab15a1ec-6274-4f02-82c3-6d509b059851" providerId="ADAL" clId="{177900E9-6CE9-4676-96F6-1E1CAB63474E}" dt="2018-04-24T17:35:45.365" v="187" actId="962"/>
@@ -1369,7 +1472,7 @@
           <a:p>
             <a:fld id="{69EE71AC-BAB7-49A3-9AD7-074A7AB557EF}" type="datetimeFigureOut">
               <a:rPr lang="pt-BR" smtClean="0"/>
-              <a:t>24/04/2018</a:t>
+              <a:t>15/06/2018</a:t>
             </a:fld>
             <a:endParaRPr lang="pt-BR"/>
           </a:p>
@@ -1569,7 +1672,7 @@
           <a:p>
             <a:fld id="{69EE71AC-BAB7-49A3-9AD7-074A7AB557EF}" type="datetimeFigureOut">
               <a:rPr lang="pt-BR" smtClean="0"/>
-              <a:t>24/04/2018</a:t>
+              <a:t>15/06/2018</a:t>
             </a:fld>
             <a:endParaRPr lang="pt-BR"/>
           </a:p>
@@ -1779,7 +1882,7 @@
           <a:p>
             <a:fld id="{69EE71AC-BAB7-49A3-9AD7-074A7AB557EF}" type="datetimeFigureOut">
               <a:rPr lang="pt-BR" smtClean="0"/>
-              <a:t>24/04/2018</a:t>
+              <a:t>15/06/2018</a:t>
             </a:fld>
             <a:endParaRPr lang="pt-BR"/>
           </a:p>
@@ -1979,7 +2082,7 @@
           <a:p>
             <a:fld id="{69EE71AC-BAB7-49A3-9AD7-074A7AB557EF}" type="datetimeFigureOut">
               <a:rPr lang="pt-BR" smtClean="0"/>
-              <a:t>24/04/2018</a:t>
+              <a:t>15/06/2018</a:t>
             </a:fld>
             <a:endParaRPr lang="pt-BR"/>
           </a:p>
@@ -2255,7 +2358,7 @@
           <a:p>
             <a:fld id="{69EE71AC-BAB7-49A3-9AD7-074A7AB557EF}" type="datetimeFigureOut">
               <a:rPr lang="pt-BR" smtClean="0"/>
-              <a:t>24/04/2018</a:t>
+              <a:t>15/06/2018</a:t>
             </a:fld>
             <a:endParaRPr lang="pt-BR"/>
           </a:p>
@@ -2523,7 +2626,7 @@
           <a:p>
             <a:fld id="{69EE71AC-BAB7-49A3-9AD7-074A7AB557EF}" type="datetimeFigureOut">
               <a:rPr lang="pt-BR" smtClean="0"/>
-              <a:t>24/04/2018</a:t>
+              <a:t>15/06/2018</a:t>
             </a:fld>
             <a:endParaRPr lang="pt-BR"/>
           </a:p>
@@ -2938,7 +3041,7 @@
           <a:p>
             <a:fld id="{69EE71AC-BAB7-49A3-9AD7-074A7AB557EF}" type="datetimeFigureOut">
               <a:rPr lang="pt-BR" smtClean="0"/>
-              <a:t>24/04/2018</a:t>
+              <a:t>15/06/2018</a:t>
             </a:fld>
             <a:endParaRPr lang="pt-BR"/>
           </a:p>
@@ -3080,7 +3183,7 @@
           <a:p>
             <a:fld id="{69EE71AC-BAB7-49A3-9AD7-074A7AB557EF}" type="datetimeFigureOut">
               <a:rPr lang="pt-BR" smtClean="0"/>
-              <a:t>24/04/2018</a:t>
+              <a:t>15/06/2018</a:t>
             </a:fld>
             <a:endParaRPr lang="pt-BR"/>
           </a:p>
@@ -3193,7 +3296,7 @@
           <a:p>
             <a:fld id="{69EE71AC-BAB7-49A3-9AD7-074A7AB557EF}" type="datetimeFigureOut">
               <a:rPr lang="pt-BR" smtClean="0"/>
-              <a:t>24/04/2018</a:t>
+              <a:t>15/06/2018</a:t>
             </a:fld>
             <a:endParaRPr lang="pt-BR"/>
           </a:p>
@@ -3506,7 +3609,7 @@
           <a:p>
             <a:fld id="{69EE71AC-BAB7-49A3-9AD7-074A7AB557EF}" type="datetimeFigureOut">
               <a:rPr lang="pt-BR" smtClean="0"/>
-              <a:t>24/04/2018</a:t>
+              <a:t>15/06/2018</a:t>
             </a:fld>
             <a:endParaRPr lang="pt-BR"/>
           </a:p>
@@ -3795,7 +3898,7 @@
           <a:p>
             <a:fld id="{69EE71AC-BAB7-49A3-9AD7-074A7AB557EF}" type="datetimeFigureOut">
               <a:rPr lang="pt-BR" smtClean="0"/>
-              <a:t>24/04/2018</a:t>
+              <a:t>15/06/2018</a:t>
             </a:fld>
             <a:endParaRPr lang="pt-BR"/>
           </a:p>
@@ -4038,7 +4141,7 @@
           <a:p>
             <a:fld id="{69EE71AC-BAB7-49A3-9AD7-074A7AB557EF}" type="datetimeFigureOut">
               <a:rPr lang="pt-BR" smtClean="0"/>
-              <a:t>24/04/2018</a:t>
+              <a:t>15/06/2018</a:t>
             </a:fld>
             <a:endParaRPr lang="pt-BR"/>
           </a:p>
@@ -4736,7 +4839,519 @@
             <p:ph idx="1"/>
             <p:extLst>
               <p:ext uri="{D42A27DB-BD31-4B8C-83A1-F6EECF244321}">
-                <p14:modId xmlns:p14="http://schemas.microsoft.com/office/powerpoint/2010/main" val="2588125765"/>
+                <p14:modId xmlns:p14="http://schemas.microsoft.com/office/powerpoint/2010/main" val="89773554"/>
+              </p:ext>
+            </p:extLst>
+          </p:nvPr>
+        </p:nvGraphicFramePr>
+        <p:xfrm>
+          <a:off x="838200" y="1825625"/>
+          <a:ext cx="10515600" cy="1112520"/>
+        </p:xfrm>
+        <a:graphic>
+          <a:graphicData uri="http://schemas.openxmlformats.org/drawingml/2006/table">
+            <a:tbl>
+              <a:tblPr firstRow="1" bandRow="1">
+                <a:tableStyleId>{5C22544A-7EE6-4342-B048-85BDC9FD1C3A}</a:tableStyleId>
+              </a:tblPr>
+              <a:tblGrid>
+                <a:gridCol w="3505200">
+                  <a:extLst>
+                    <a:ext uri="{9D8B030D-6E8A-4147-A177-3AD203B41FA5}">
+                      <a16:colId xmlns:a16="http://schemas.microsoft.com/office/drawing/2014/main" val="4251161384"/>
+                    </a:ext>
+                  </a:extLst>
+                </a:gridCol>
+                <a:gridCol w="3505200">
+                  <a:extLst>
+                    <a:ext uri="{9D8B030D-6E8A-4147-A177-3AD203B41FA5}">
+                      <a16:colId xmlns:a16="http://schemas.microsoft.com/office/drawing/2014/main" val="4256788638"/>
+                    </a:ext>
+                  </a:extLst>
+                </a:gridCol>
+                <a:gridCol w="3505200">
+                  <a:extLst>
+                    <a:ext uri="{9D8B030D-6E8A-4147-A177-3AD203B41FA5}">
+                      <a16:colId xmlns:a16="http://schemas.microsoft.com/office/drawing/2014/main" val="2788174945"/>
+                    </a:ext>
+                  </a:extLst>
+                </a:gridCol>
+              </a:tblGrid>
+              <a:tr h="370840">
+                <a:tc>
+                  <a:txBody>
+                    <a:bodyPr/>
+                    <a:lstStyle/>
+                    <a:p>
+                      <a:r>
+                        <a:rPr lang="en-US" dirty="0"/>
+                        <a:t>A</a:t>
+                      </a:r>
+                      <a:endParaRPr lang="pt-BR" dirty="0"/>
+                    </a:p>
+                  </a:txBody>
+                  <a:tcPr/>
+                </a:tc>
+                <a:tc>
+                  <a:txBody>
+                    <a:bodyPr/>
+                    <a:lstStyle/>
+                    <a:p>
+                      <a:r>
+                        <a:rPr lang="en-US" dirty="0"/>
+                        <a:t>B</a:t>
+                      </a:r>
+                      <a:endParaRPr lang="pt-BR" dirty="0"/>
+                    </a:p>
+                  </a:txBody>
+                  <a:tcPr/>
+                </a:tc>
+                <a:tc>
+                  <a:txBody>
+                    <a:bodyPr/>
+                    <a:lstStyle/>
+                    <a:p>
+                      <a:r>
+                        <a:rPr lang="en-US" dirty="0"/>
+                        <a:t>C</a:t>
+                      </a:r>
+                      <a:endParaRPr lang="pt-BR" dirty="0"/>
+                    </a:p>
+                  </a:txBody>
+                  <a:tcPr/>
+                </a:tc>
+                <a:extLst>
+                  <a:ext uri="{0D108BD9-81ED-4DB2-BD59-A6C34878D82A}">
+                    <a16:rowId xmlns:a16="http://schemas.microsoft.com/office/drawing/2014/main" val="635089405"/>
+                  </a:ext>
+                </a:extLst>
+              </a:tr>
+              <a:tr h="370840">
+                <a:tc>
+                  <a:txBody>
+                    <a:bodyPr/>
+                    <a:lstStyle/>
+                    <a:p>
+                      <a:r>
+                        <a:rPr lang="en-US" dirty="0"/>
+                        <a:t>D</a:t>
+                      </a:r>
+                      <a:endParaRPr lang="pt-BR" dirty="0"/>
+                    </a:p>
+                  </a:txBody>
+                  <a:tcPr/>
+                </a:tc>
+                <a:tc>
+                  <a:txBody>
+                    <a:bodyPr/>
+                    <a:lstStyle/>
+                    <a:p>
+                      <a:r>
+                        <a:rPr lang="en-US" dirty="0"/>
+                        <a:t>E</a:t>
+                      </a:r>
+                      <a:endParaRPr lang="pt-BR" dirty="0"/>
+                    </a:p>
+                  </a:txBody>
+                  <a:tcPr/>
+                </a:tc>
+                <a:tc rowSpan="2">
+                  <a:txBody>
+                    <a:bodyPr/>
+                    <a:lstStyle/>
+                    <a:p>
+                      <a:r>
+                        <a:rPr lang="en-US" dirty="0"/>
+                        <a:t>F</a:t>
+                      </a:r>
+                      <a:endParaRPr lang="pt-BR" dirty="0"/>
+                    </a:p>
+                  </a:txBody>
+                  <a:tcPr/>
+                </a:tc>
+                <a:extLst>
+                  <a:ext uri="{0D108BD9-81ED-4DB2-BD59-A6C34878D82A}">
+                    <a16:rowId xmlns:a16="http://schemas.microsoft.com/office/drawing/2014/main" val="672666543"/>
+                  </a:ext>
+                </a:extLst>
+              </a:tr>
+              <a:tr h="370840">
+                <a:tc>
+                  <a:txBody>
+                    <a:bodyPr/>
+                    <a:lstStyle/>
+                    <a:p>
+                      <a:r>
+                        <a:rPr lang="en-US" dirty="0"/>
+                        <a:t>G</a:t>
+                      </a:r>
+                      <a:endParaRPr lang="pt-BR" dirty="0"/>
+                    </a:p>
+                  </a:txBody>
+                  <a:tcPr/>
+                </a:tc>
+                <a:tc>
+                  <a:txBody>
+                    <a:bodyPr/>
+                    <a:lstStyle/>
+                    <a:p>
+                      <a:r>
+                        <a:rPr lang="en-US" dirty="0"/>
+                        <a:t>H</a:t>
+                      </a:r>
+                      <a:endParaRPr lang="pt-BR" dirty="0"/>
+                    </a:p>
+                  </a:txBody>
+                  <a:tcPr/>
+                </a:tc>
+                <a:tc vMerge="1">
+                  <a:txBody>
+                    <a:bodyPr/>
+                    <a:lstStyle/>
+                    <a:p>
+                      <a:endParaRPr lang="pt-BR" dirty="0"/>
+                    </a:p>
+                  </a:txBody>
+                  <a:tcPr/>
+                </a:tc>
+                <a:extLst>
+                  <a:ext uri="{0D108BD9-81ED-4DB2-BD59-A6C34878D82A}">
+                    <a16:rowId xmlns:a16="http://schemas.microsoft.com/office/drawing/2014/main" val="4067234320"/>
+                  </a:ext>
+                </a:extLst>
+              </a:tr>
+            </a:tbl>
+          </a:graphicData>
+        </a:graphic>
+      </p:graphicFrame>
+      <p:sp>
+        <p:nvSpPr>
+          <p:cNvPr id="2" name="Title 1">
+            <a:extLst>
+              <a:ext uri="{FF2B5EF4-FFF2-40B4-BE49-F238E27FC236}">
+                <a16:creationId xmlns:a16="http://schemas.microsoft.com/office/drawing/2014/main" id="{852A2EB1-7EE9-4134-A433-6D94737F010D}"/>
+              </a:ext>
+            </a:extLst>
+          </p:cNvPr>
+          <p:cNvSpPr>
+            <a:spLocks noGrp="1"/>
+          </p:cNvSpPr>
+          <p:nvPr>
+            <p:ph type="title"/>
+          </p:nvPr>
+        </p:nvSpPr>
+        <p:spPr/>
+        <p:txBody>
+          <a:bodyPr/>
+          <a:lstStyle/>
+          <a:p>
+            <a:endParaRPr lang="pt-BR"/>
+          </a:p>
+        </p:txBody>
+      </p:sp>
+    </p:spTree>
+    <p:extLst>
+      <p:ext uri="{BB962C8B-B14F-4D97-AF65-F5344CB8AC3E}">
+        <p14:creationId xmlns:p14="http://schemas.microsoft.com/office/powerpoint/2010/main" val="4223523413"/>
+      </p:ext>
+    </p:extLst>
+  </p:cSld>
+  <p:clrMapOvr>
+    <a:masterClrMapping/>
+  </p:clrMapOvr>
+</p:sld>
+</file>
+
+<file path=ppt/slides/slide5.xml><?xml version="1.0" encoding="utf-8"?>
+<p:sld xmlns:a="http://schemas.openxmlformats.org/drawingml/2006/main" xmlns:r="http://schemas.openxmlformats.org/officeDocument/2006/relationships" xmlns:p="http://schemas.openxmlformats.org/presentationml/2006/main">
+  <p:cSld>
+    <p:spTree>
+      <p:nvGrpSpPr>
+        <p:cNvPr id="1" name=""/>
+        <p:cNvGrpSpPr/>
+        <p:nvPr/>
+      </p:nvGrpSpPr>
+      <p:grpSpPr>
+        <a:xfrm>
+          <a:off x="0" y="0"/>
+          <a:ext cx="0" cy="0"/>
+          <a:chOff x="0" y="0"/>
+          <a:chExt cx="0" cy="0"/>
+        </a:xfrm>
+      </p:grpSpPr>
+      <p:sp>
+        <p:nvSpPr>
+          <p:cNvPr id="2" name="Title 1">
+            <a:extLst>
+              <a:ext uri="{FF2B5EF4-FFF2-40B4-BE49-F238E27FC236}">
+                <a16:creationId xmlns:a16="http://schemas.microsoft.com/office/drawing/2014/main" id="{2AD5E7B8-2C24-4D58-BD18-6C652C81D6DA}"/>
+              </a:ext>
+            </a:extLst>
+          </p:cNvPr>
+          <p:cNvSpPr>
+            <a:spLocks noGrp="1"/>
+          </p:cNvSpPr>
+          <p:nvPr>
+            <p:ph type="title"/>
+          </p:nvPr>
+        </p:nvSpPr>
+        <p:spPr/>
+        <p:txBody>
+          <a:bodyPr/>
+          <a:lstStyle/>
+          <a:p>
+            <a:endParaRPr lang="pt-BR"/>
+          </a:p>
+        </p:txBody>
+      </p:sp>
+      <p:graphicFrame>
+        <p:nvGraphicFramePr>
+          <p:cNvPr id="4" name="table_merge">
+            <a:extLst>
+              <a:ext uri="{FF2B5EF4-FFF2-40B4-BE49-F238E27FC236}">
+                <a16:creationId xmlns:a16="http://schemas.microsoft.com/office/drawing/2014/main" id="{B164435B-B18B-4386-A68B-5F175982E6FE}"/>
+              </a:ext>
+            </a:extLst>
+          </p:cNvPr>
+          <p:cNvGraphicFramePr>
+            <a:graphicFrameLocks noGrp="1"/>
+          </p:cNvGraphicFramePr>
+          <p:nvPr>
+            <p:ph idx="1"/>
+            <p:extLst>
+              <p:ext uri="{D42A27DB-BD31-4B8C-83A1-F6EECF244321}">
+                <p14:modId xmlns:p14="http://schemas.microsoft.com/office/powerpoint/2010/main" val="383956859"/>
+              </p:ext>
+            </p:extLst>
+          </p:nvPr>
+        </p:nvGraphicFramePr>
+        <p:xfrm>
+          <a:off x="838200" y="1825625"/>
+          <a:ext cx="10515600" cy="1112520"/>
+        </p:xfrm>
+        <a:graphic>
+          <a:graphicData uri="http://schemas.openxmlformats.org/drawingml/2006/table">
+            <a:tbl>
+              <a:tblPr firstRow="1" bandRow="1">
+                <a:tableStyleId>{5C22544A-7EE6-4342-B048-85BDC9FD1C3A}</a:tableStyleId>
+              </a:tblPr>
+              <a:tblGrid>
+                <a:gridCol w="3505200">
+                  <a:extLst>
+                    <a:ext uri="{9D8B030D-6E8A-4147-A177-3AD203B41FA5}">
+                      <a16:colId xmlns:a16="http://schemas.microsoft.com/office/drawing/2014/main" val="4263001565"/>
+                    </a:ext>
+                  </a:extLst>
+                </a:gridCol>
+                <a:gridCol w="3505200">
+                  <a:extLst>
+                    <a:ext uri="{9D8B030D-6E8A-4147-A177-3AD203B41FA5}">
+                      <a16:colId xmlns:a16="http://schemas.microsoft.com/office/drawing/2014/main" val="2759111018"/>
+                    </a:ext>
+                  </a:extLst>
+                </a:gridCol>
+                <a:gridCol w="3505200">
+                  <a:extLst>
+                    <a:ext uri="{9D8B030D-6E8A-4147-A177-3AD203B41FA5}">
+                      <a16:colId xmlns:a16="http://schemas.microsoft.com/office/drawing/2014/main" val="67033228"/>
+                    </a:ext>
+                  </a:extLst>
+                </a:gridCol>
+              </a:tblGrid>
+              <a:tr h="370840">
+                <a:tc>
+                  <a:txBody>
+                    <a:bodyPr/>
+                    <a:lstStyle/>
+                    <a:p>
+                      <a:r>
+                        <a:rPr lang="en-US" dirty="0"/>
+                        <a:t>A</a:t>
+                      </a:r>
+                      <a:endParaRPr lang="pt-BR" dirty="0"/>
+                    </a:p>
+                  </a:txBody>
+                  <a:tcPr/>
+                </a:tc>
+                <a:tc>
+                  <a:txBody>
+                    <a:bodyPr/>
+                    <a:lstStyle/>
+                    <a:p>
+                      <a:r>
+                        <a:rPr lang="en-US" dirty="0"/>
+                        <a:t>B</a:t>
+                      </a:r>
+                      <a:endParaRPr lang="pt-BR" dirty="0"/>
+                    </a:p>
+                  </a:txBody>
+                  <a:tcPr/>
+                </a:tc>
+                <a:tc>
+                  <a:txBody>
+                    <a:bodyPr/>
+                    <a:lstStyle/>
+                    <a:p>
+                      <a:r>
+                        <a:rPr lang="en-US" dirty="0"/>
+                        <a:t>C</a:t>
+                      </a:r>
+                      <a:endParaRPr lang="pt-BR" dirty="0"/>
+                    </a:p>
+                  </a:txBody>
+                  <a:tcPr/>
+                </a:tc>
+                <a:extLst>
+                  <a:ext uri="{0D108BD9-81ED-4DB2-BD59-A6C34878D82A}">
+                    <a16:rowId xmlns:a16="http://schemas.microsoft.com/office/drawing/2014/main" val="983563854"/>
+                  </a:ext>
+                </a:extLst>
+              </a:tr>
+              <a:tr h="370840">
+                <a:tc>
+                  <a:txBody>
+                    <a:bodyPr/>
+                    <a:lstStyle/>
+                    <a:p>
+                      <a:r>
+                        <a:rPr lang="en-US" dirty="0"/>
+                        <a:t>D</a:t>
+                      </a:r>
+                      <a:endParaRPr lang="pt-BR" dirty="0"/>
+                    </a:p>
+                  </a:txBody>
+                  <a:tcPr/>
+                </a:tc>
+                <a:tc gridSpan="2">
+                  <a:txBody>
+                    <a:bodyPr/>
+                    <a:lstStyle/>
+                    <a:p>
+                      <a:r>
+                        <a:rPr lang="en-US" dirty="0"/>
+                        <a:t>E</a:t>
+                      </a:r>
+                      <a:endParaRPr lang="pt-BR" dirty="0"/>
+                    </a:p>
+                  </a:txBody>
+                  <a:tcPr/>
+                </a:tc>
+                <a:tc hMerge="1">
+                  <a:txBody>
+                    <a:bodyPr/>
+                    <a:lstStyle/>
+                    <a:p>
+                      <a:endParaRPr lang="pt-BR" dirty="0"/>
+                    </a:p>
+                  </a:txBody>
+                  <a:tcPr/>
+                </a:tc>
+                <a:extLst>
+                  <a:ext uri="{0D108BD9-81ED-4DB2-BD59-A6C34878D82A}">
+                    <a16:rowId xmlns:a16="http://schemas.microsoft.com/office/drawing/2014/main" val="3595915079"/>
+                  </a:ext>
+                </a:extLst>
+              </a:tr>
+              <a:tr h="370840">
+                <a:tc>
+                  <a:txBody>
+                    <a:bodyPr/>
+                    <a:lstStyle/>
+                    <a:p>
+                      <a:r>
+                        <a:rPr lang="en-US" dirty="0"/>
+                        <a:t>F</a:t>
+                      </a:r>
+                      <a:endParaRPr lang="pt-BR" dirty="0"/>
+                    </a:p>
+                  </a:txBody>
+                  <a:tcPr/>
+                </a:tc>
+                <a:tc>
+                  <a:txBody>
+                    <a:bodyPr/>
+                    <a:lstStyle/>
+                    <a:p>
+                      <a:r>
+                        <a:rPr lang="en-US" dirty="0"/>
+                        <a:t>G</a:t>
+                      </a:r>
+                      <a:endParaRPr lang="pt-BR" dirty="0"/>
+                    </a:p>
+                  </a:txBody>
+                  <a:tcPr/>
+                </a:tc>
+                <a:tc>
+                  <a:txBody>
+                    <a:bodyPr/>
+                    <a:lstStyle/>
+                    <a:p>
+                      <a:r>
+                        <a:rPr lang="en-US"/>
+                        <a:t>H</a:t>
+                      </a:r>
+                      <a:endParaRPr lang="pt-BR" dirty="0"/>
+                    </a:p>
+                  </a:txBody>
+                  <a:tcPr/>
+                </a:tc>
+                <a:extLst>
+                  <a:ext uri="{0D108BD9-81ED-4DB2-BD59-A6C34878D82A}">
+                    <a16:rowId xmlns:a16="http://schemas.microsoft.com/office/drawing/2014/main" val="565263818"/>
+                  </a:ext>
+                </a:extLst>
+              </a:tr>
+            </a:tbl>
+          </a:graphicData>
+        </a:graphic>
+      </p:graphicFrame>
+    </p:spTree>
+    <p:extLst>
+      <p:ext uri="{BB962C8B-B14F-4D97-AF65-F5344CB8AC3E}">
+        <p14:creationId xmlns:p14="http://schemas.microsoft.com/office/powerpoint/2010/main" val="2757015741"/>
+      </p:ext>
+    </p:extLst>
+  </p:cSld>
+  <p:clrMapOvr>
+    <a:masterClrMapping/>
+  </p:clrMapOvr>
+</p:sld>
+</file>
+
+<file path=ppt/slides/slide6.xml><?xml version="1.0" encoding="utf-8"?>
+<p:sld xmlns:a="http://schemas.openxmlformats.org/drawingml/2006/main" xmlns:r="http://schemas.openxmlformats.org/officeDocument/2006/relationships" xmlns:p="http://schemas.openxmlformats.org/presentationml/2006/main">
+  <p:cSld>
+    <p:spTree>
+      <p:nvGrpSpPr>
+        <p:cNvPr id="1" name=""/>
+        <p:cNvGrpSpPr/>
+        <p:nvPr/>
+      </p:nvGrpSpPr>
+      <p:grpSpPr>
+        <a:xfrm>
+          <a:off x="0" y="0"/>
+          <a:ext cx="0" cy="0"/>
+          <a:chOff x="0" y="0"/>
+          <a:chExt cx="0" cy="0"/>
+        </a:xfrm>
+      </p:grpSpPr>
+      <p:graphicFrame>
+        <p:nvGraphicFramePr>
+          <p:cNvPr id="4" name="table_place">
+            <a:extLst>
+              <a:ext uri="{FF2B5EF4-FFF2-40B4-BE49-F238E27FC236}">
+                <a16:creationId xmlns:a16="http://schemas.microsoft.com/office/drawing/2014/main" id="{CA61B05D-D9B2-4A66-A710-44479119FEC4}"/>
+              </a:ext>
+            </a:extLst>
+          </p:cNvPr>
+          <p:cNvGraphicFramePr>
+            <a:graphicFrameLocks noGrp="1"/>
+          </p:cNvGraphicFramePr>
+          <p:nvPr>
+            <p:ph idx="1"/>
+            <p:extLst>
+              <p:ext uri="{D42A27DB-BD31-4B8C-83A1-F6EECF244321}">
+                <p14:modId xmlns:p14="http://schemas.microsoft.com/office/powerpoint/2010/main" val="2076391872"/>
               </p:ext>
             </p:extLst>
           </p:nvPr>
@@ -4790,7 +5405,12 @@
                     <a:bodyPr/>
                     <a:lstStyle/>
                     <a:p>
-                      <a:endParaRPr lang="pt-BR"/>
+                      <a:pPr algn="ctr"/>
+                      <a:r>
+                        <a:rPr lang="en-US" dirty="0"/>
+                        <a:t>Cool KPI</a:t>
+                      </a:r>
+                      <a:endParaRPr lang="pt-BR" dirty="0"/>
                     </a:p>
                   </a:txBody>
                   <a:tcPr/>
@@ -4800,7 +5420,12 @@
                     <a:bodyPr/>
                     <a:lstStyle/>
                     <a:p>
-                      <a:endParaRPr lang="pt-BR"/>
+                      <a:pPr algn="ctr"/>
+                      <a:r>
+                        <a:rPr lang="en-US" dirty="0"/>
+                        <a:t>Other Cool KPI</a:t>
+                      </a:r>
+                      <a:endParaRPr lang="pt-BR" dirty="0"/>
                     </a:p>
                   </a:txBody>
                   <a:tcPr/>
@@ -4817,7 +5442,11 @@
                     <a:bodyPr/>
                     <a:lstStyle/>
                     <a:p>
-                      <a:endParaRPr lang="pt-BR"/>
+                      <a:r>
+                        <a:rPr lang="en-US" dirty="0"/>
+                        <a:t>Client</a:t>
+                      </a:r>
+                      <a:endParaRPr lang="pt-BR" dirty="0"/>
                     </a:p>
                   </a:txBody>
                   <a:tcPr/>
@@ -4827,7 +5456,12 @@
                     <a:bodyPr/>
                     <a:lstStyle/>
                     <a:p>
-                      <a:endParaRPr lang="pt-BR"/>
+                      <a:pPr algn="ctr"/>
+                      <a:r>
+                        <a:rPr lang="en-US" dirty="0"/>
+                        <a:t>{kpi1}</a:t>
+                      </a:r>
+                      <a:endParaRPr lang="pt-BR" dirty="0"/>
                     </a:p>
                   </a:txBody>
                   <a:tcPr/>
@@ -4837,7 +5471,12 @@
                     <a:bodyPr/>
                     <a:lstStyle/>
                     <a:p>
-                      <a:endParaRPr lang="pt-BR"/>
+                      <a:pPr algn="ctr"/>
+                      <a:r>
+                        <a:rPr lang="en-US" dirty="0"/>
+                        <a:t>{kpi2}</a:t>
+                      </a:r>
+                      <a:endParaRPr lang="pt-BR" dirty="0"/>
                     </a:p>
                   </a:txBody>
                   <a:tcPr/>
@@ -4854,7 +5493,11 @@
                     <a:bodyPr/>
                     <a:lstStyle/>
                     <a:p>
-                      <a:endParaRPr lang="pt-BR"/>
+                      <a:r>
+                        <a:rPr lang="en-US" dirty="0"/>
+                        <a:t>Market</a:t>
+                      </a:r>
+                      <a:endParaRPr lang="pt-BR" dirty="0"/>
                     </a:p>
                   </a:txBody>
                   <a:tcPr/>
@@ -4864,7 +5507,12 @@
                     <a:bodyPr/>
                     <a:lstStyle/>
                     <a:p>
-                      <a:endParaRPr lang="pt-BR"/>
+                      <a:pPr algn="ctr"/>
+                      <a:r>
+                        <a:rPr lang="en-US" dirty="0"/>
+                        <a:t>85%</a:t>
+                      </a:r>
+                      <a:endParaRPr lang="pt-BR" dirty="0"/>
                     </a:p>
                   </a:txBody>
                   <a:tcPr/>
@@ -4874,6 +5522,11 @@
                     <a:bodyPr/>
                     <a:lstStyle/>
                     <a:p>
+                      <a:pPr algn="ctr"/>
+                      <a:r>
+                        <a:rPr lang="en-US" dirty="0"/>
+                        <a:t>90%</a:t>
+                      </a:r>
                       <a:endParaRPr lang="pt-BR" dirty="0"/>
                     </a:p>
                   </a:txBody>
@@ -4917,7 +5570,7 @@
     </p:spTree>
     <p:extLst>
       <p:ext uri="{BB962C8B-B14F-4D97-AF65-F5344CB8AC3E}">
-        <p14:creationId xmlns:p14="http://schemas.microsoft.com/office/powerpoint/2010/main" val="4223523413"/>
+        <p14:creationId xmlns:p14="http://schemas.microsoft.com/office/powerpoint/2010/main" val="3847460849"/>
       </p:ext>
     </p:extLst>
   </p:cSld>
